--- a/SubstanceAbuseHS_edited.pptx
+++ b/SubstanceAbuseHS_edited.pptx
@@ -5,7 +5,7 @@
     <p:sldMasterId id="2147483840" r:id="rId1"/>
   </p:sldMasterIdLst>
   <p:notesMasterIdLst>
-    <p:notesMasterId r:id="rId24"/>
+    <p:notesMasterId r:id="rId23"/>
   </p:notesMasterIdLst>
   <p:sldIdLst>
     <p:sldId id="256" r:id="rId2"/>
@@ -28,8 +28,7 @@
     <p:sldId id="274" r:id="rId19"/>
     <p:sldId id="278" r:id="rId20"/>
     <p:sldId id="276" r:id="rId21"/>
-    <p:sldId id="279" r:id="rId22"/>
-    <p:sldId id="280" r:id="rId23"/>
+    <p:sldId id="280" r:id="rId22"/>
   </p:sldIdLst>
   <p:sldSz cx="12192000" cy="6858000"/>
   <p:notesSz cx="6858000" cy="9144000"/>
@@ -218,7 +217,7 @@
           <a:p>
             <a:fld id="{E6920689-1049-E24E-B3F7-D35B47DDFAB2}" type="datetimeFigureOut">
               <a:rPr lang="en-US" smtClean="0"/>
-              <a:t>7/16/19</a:t>
+              <a:t>7/17/19</a:t>
             </a:fld>
             <a:endParaRPr lang="en-US"/>
           </a:p>
@@ -905,7 +904,7 @@
             <a:fld id="{5586B75A-687E-405C-8A0B-8D00578BA2C3}" type="datetimeFigureOut">
               <a:rPr lang="en-US" dirty="0"/>
               <a:pPr/>
-              <a:t>7/16/19</a:t>
+              <a:t>7/17/19</a:t>
             </a:fld>
             <a:endParaRPr lang="en-US" dirty="0"/>
           </a:p>
@@ -1072,7 +1071,7 @@
             <a:fld id="{5586B75A-687E-405C-8A0B-8D00578BA2C3}" type="datetimeFigureOut">
               <a:rPr lang="en-US" dirty="0"/>
               <a:pPr/>
-              <a:t>7/16/19</a:t>
+              <a:t>7/17/19</a:t>
             </a:fld>
             <a:endParaRPr lang="en-US" dirty="0"/>
           </a:p>
@@ -1249,7 +1248,7 @@
             <a:fld id="{5586B75A-687E-405C-8A0B-8D00578BA2C3}" type="datetimeFigureOut">
               <a:rPr lang="en-US" dirty="0"/>
               <a:pPr/>
-              <a:t>7/16/19</a:t>
+              <a:t>7/17/19</a:t>
             </a:fld>
             <a:endParaRPr lang="en-US" dirty="0"/>
           </a:p>
@@ -1416,7 +1415,7 @@
             <a:fld id="{5586B75A-687E-405C-8A0B-8D00578BA2C3}" type="datetimeFigureOut">
               <a:rPr lang="en-US" dirty="0"/>
               <a:pPr/>
-              <a:t>7/16/19</a:t>
+              <a:t>7/17/19</a:t>
             </a:fld>
             <a:endParaRPr lang="en-US" dirty="0"/>
           </a:p>
@@ -1671,7 +1670,7 @@
             <a:fld id="{5586B75A-687E-405C-8A0B-8D00578BA2C3}" type="datetimeFigureOut">
               <a:rPr lang="en-US" dirty="0"/>
               <a:pPr/>
-              <a:t>7/16/19</a:t>
+              <a:t>7/17/19</a:t>
             </a:fld>
             <a:endParaRPr lang="en-US" dirty="0"/>
           </a:p>
@@ -1956,7 +1955,7 @@
             <a:fld id="{5586B75A-687E-405C-8A0B-8D00578BA2C3}" type="datetimeFigureOut">
               <a:rPr lang="en-US" dirty="0"/>
               <a:pPr/>
-              <a:t>7/16/19</a:t>
+              <a:t>7/17/19</a:t>
             </a:fld>
             <a:endParaRPr lang="en-US" dirty="0"/>
           </a:p>
@@ -2395,7 +2394,7 @@
             <a:fld id="{5586B75A-687E-405C-8A0B-8D00578BA2C3}" type="datetimeFigureOut">
               <a:rPr lang="en-US" dirty="0"/>
               <a:pPr/>
-              <a:t>7/16/19</a:t>
+              <a:t>7/17/19</a:t>
             </a:fld>
             <a:endParaRPr lang="en-US" dirty="0"/>
           </a:p>
@@ -2510,7 +2509,7 @@
             <a:fld id="{5586B75A-687E-405C-8A0B-8D00578BA2C3}" type="datetimeFigureOut">
               <a:rPr lang="en-US" dirty="0"/>
               <a:pPr/>
-              <a:t>7/16/19</a:t>
+              <a:t>7/17/19</a:t>
             </a:fld>
             <a:endParaRPr lang="en-US" dirty="0"/>
           </a:p>
@@ -2602,7 +2601,7 @@
             <a:fld id="{5586B75A-687E-405C-8A0B-8D00578BA2C3}" type="datetimeFigureOut">
               <a:rPr lang="en-US" dirty="0"/>
               <a:pPr/>
-              <a:t>7/16/19</a:t>
+              <a:t>7/17/19</a:t>
             </a:fld>
             <a:endParaRPr lang="en-US" dirty="0"/>
           </a:p>
@@ -2887,7 +2886,7 @@
             <a:fld id="{5586B75A-687E-405C-8A0B-8D00578BA2C3}" type="datetimeFigureOut">
               <a:rPr lang="en-US" dirty="0"/>
               <a:pPr/>
-              <a:t>7/16/19</a:t>
+              <a:t>7/17/19</a:t>
             </a:fld>
             <a:endParaRPr lang="en-US" dirty="0"/>
           </a:p>
@@ -3157,7 +3156,7 @@
             <a:fld id="{5586B75A-687E-405C-8A0B-8D00578BA2C3}" type="datetimeFigureOut">
               <a:rPr lang="en-US" dirty="0"/>
               <a:pPr/>
-              <a:t>7/16/19</a:t>
+              <a:t>7/17/19</a:t>
             </a:fld>
             <a:endParaRPr lang="en-US" dirty="0"/>
           </a:p>
@@ -3451,7 +3450,7 @@
             <a:fld id="{5586B75A-687E-405C-8A0B-8D00578BA2C3}" type="datetimeFigureOut">
               <a:rPr lang="en-US" dirty="0"/>
               <a:pPr/>
-              <a:t>7/16/19</a:t>
+              <a:t>7/17/19</a:t>
             </a:fld>
             <a:endParaRPr lang="en-US" dirty="0"/>
           </a:p>
@@ -6294,75 +6293,98 @@
           </a:p>
         </p:txBody>
       </p:sp>
+      <p:sp>
+        <p:nvSpPr>
+          <p:cNvPr id="4" name="Text Placeholder 3">
+            <a:extLst>
+              <a:ext uri="{FF2B5EF4-FFF2-40B4-BE49-F238E27FC236}">
+                <a16:creationId xmlns:a16="http://schemas.microsoft.com/office/drawing/2014/main" id="{FCAD9640-5631-B94B-AC9B-9A26EE9568A5}"/>
+              </a:ext>
+            </a:extLst>
+          </p:cNvPr>
+          <p:cNvSpPr>
+            <a:spLocks noGrp="1"/>
+          </p:cNvSpPr>
+          <p:nvPr>
+            <p:ph type="body" sz="half" idx="2"/>
+          </p:nvPr>
+        </p:nvSpPr>
+        <p:spPr/>
+        <p:txBody>
+          <a:bodyPr>
+            <a:normAutofit/>
+          </a:bodyPr>
+          <a:lstStyle/>
+          <a:p>
+            <a:r>
+              <a:rPr lang="en-US" sz="1800" dirty="0"/>
+              <a:t>Including 8</a:t>
+            </a:r>
+            <a:r>
+              <a:rPr lang="en-US" sz="1800" baseline="30000" dirty="0"/>
+              <a:t>th</a:t>
+            </a:r>
+            <a:r>
+              <a:rPr lang="en-US" sz="1800" dirty="0"/>
+              <a:t> Grade</a:t>
+            </a:r>
+          </a:p>
+          <a:p>
+            <a:r>
+              <a:rPr lang="en-US" sz="1800" dirty="0"/>
+              <a:t>8-12</a:t>
+            </a:r>
+          </a:p>
+        </p:txBody>
+      </p:sp>
+      <p:sp>
+        <p:nvSpPr>
+          <p:cNvPr id="5" name="Picture Placeholder 4">
+            <a:extLst>
+              <a:ext uri="{FF2B5EF4-FFF2-40B4-BE49-F238E27FC236}">
+                <a16:creationId xmlns:a16="http://schemas.microsoft.com/office/drawing/2014/main" id="{68C6CB88-7DA6-DB4C-83BA-3AD37B6FE1B5}"/>
+              </a:ext>
+            </a:extLst>
+          </p:cNvPr>
+          <p:cNvSpPr>
+            <a:spLocks noGrp="1"/>
+          </p:cNvSpPr>
+          <p:nvPr>
+            <p:ph type="pic" idx="1"/>
+          </p:nvPr>
+        </p:nvSpPr>
+        <p:spPr/>
+      </p:sp>
       <p:pic>
         <p:nvPicPr>
-          <p:cNvPr id="6" name="Picture Placeholder 5" descr="A screenshot of a social media post&#10;&#10;Description automatically generated">
+          <p:cNvPr id="7" name="Picture 6">
             <a:extLst>
               <a:ext uri="{FF2B5EF4-FFF2-40B4-BE49-F238E27FC236}">
-                <a16:creationId xmlns:a16="http://schemas.microsoft.com/office/drawing/2014/main" id="{866CDA8B-672D-2B48-B3C7-CEA53A2EF2D3}"/>
+                <a16:creationId xmlns:a16="http://schemas.microsoft.com/office/drawing/2014/main" id="{05BEE925-DCA9-124D-80A5-825A87D81838}"/>
               </a:ext>
             </a:extLst>
           </p:cNvPr>
           <p:cNvPicPr>
-            <a:picLocks noGrp="1" noChangeAspect="1"/>
+            <a:picLocks noChangeAspect="1"/>
           </p:cNvPicPr>
-          <p:nvPr>
-            <p:ph type="pic" idx="1"/>
-          </p:nvPr>
+          <p:nvPr/>
         </p:nvPicPr>
         <p:blipFill>
           <a:blip r:embed="rId2"/>
-          <a:srcRect t="3685" b="3685"/>
           <a:stretch>
             <a:fillRect/>
           </a:stretch>
         </p:blipFill>
-        <p:spPr/>
+        <p:spPr>
+          <a:xfrm>
+            <a:off x="3570644" y="736140"/>
+            <a:ext cx="8271937" cy="5385720"/>
+          </a:xfrm>
+          <a:prstGeom prst="rect">
+            <a:avLst/>
+          </a:prstGeom>
+        </p:spPr>
       </p:pic>
-      <p:sp>
-        <p:nvSpPr>
-          <p:cNvPr id="4" name="Text Placeholder 3">
-            <a:extLst>
-              <a:ext uri="{FF2B5EF4-FFF2-40B4-BE49-F238E27FC236}">
-                <a16:creationId xmlns:a16="http://schemas.microsoft.com/office/drawing/2014/main" id="{FCAD9640-5631-B94B-AC9B-9A26EE9568A5}"/>
-              </a:ext>
-            </a:extLst>
-          </p:cNvPr>
-          <p:cNvSpPr>
-            <a:spLocks noGrp="1"/>
-          </p:cNvSpPr>
-          <p:nvPr>
-            <p:ph type="body" sz="half" idx="2"/>
-          </p:nvPr>
-        </p:nvSpPr>
-        <p:spPr/>
-        <p:txBody>
-          <a:bodyPr>
-            <a:normAutofit/>
-          </a:bodyPr>
-          <a:lstStyle/>
-          <a:p>
-            <a:r>
-              <a:rPr lang="en-US" sz="1800" dirty="0"/>
-              <a:t>Including 8</a:t>
-            </a:r>
-            <a:r>
-              <a:rPr lang="en-US" sz="1800" baseline="30000" dirty="0"/>
-              <a:t>th</a:t>
-            </a:r>
-            <a:r>
-              <a:rPr lang="en-US" sz="1800" dirty="0"/>
-              <a:t> Grade</a:t>
-            </a:r>
-          </a:p>
-          <a:p>
-            <a:r>
-              <a:rPr lang="en-US" sz="1800" dirty="0"/>
-              <a:t>8-12</a:t>
-            </a:r>
-          </a:p>
-        </p:txBody>
-      </p:sp>
     </p:spTree>
     <p:extLst>
       <p:ext uri="{BB962C8B-B14F-4D97-AF65-F5344CB8AC3E}">
@@ -6918,6 +6940,36 @@
           </a:prstGeom>
         </p:spPr>
       </p:pic>
+      <p:pic>
+        <p:nvPicPr>
+          <p:cNvPr id="4" name="Picture 3">
+            <a:extLst>
+              <a:ext uri="{FF2B5EF4-FFF2-40B4-BE49-F238E27FC236}">
+                <a16:creationId xmlns:a16="http://schemas.microsoft.com/office/drawing/2014/main" id="{45CF5D7E-41D1-F64F-BC8E-0DC9E07B6CB4}"/>
+              </a:ext>
+            </a:extLst>
+          </p:cNvPr>
+          <p:cNvPicPr>
+            <a:picLocks noChangeAspect="1"/>
+          </p:cNvPicPr>
+          <p:nvPr/>
+        </p:nvPicPr>
+        <p:blipFill>
+          <a:blip r:embed="rId3"/>
+          <a:stretch>
+            <a:fillRect/>
+          </a:stretch>
+        </p:blipFill>
+        <p:spPr>
+          <a:xfrm>
+            <a:off x="2651760" y="1550650"/>
+            <a:ext cx="7973568" cy="710670"/>
+          </a:xfrm>
+          <a:prstGeom prst="rect">
+            <a:avLst/>
+          </a:prstGeom>
+        </p:spPr>
+      </p:pic>
     </p:spTree>
     <p:extLst>
       <p:ext uri="{BB962C8B-B14F-4D97-AF65-F5344CB8AC3E}">
@@ -6932,66 +6984,6 @@
 </file>
 
 <file path=ppt/slides/slide21.xml><?xml version="1.0" encoding="utf-8"?>
-<p:sld xmlns:a="http://schemas.openxmlformats.org/drawingml/2006/main" xmlns:r="http://schemas.openxmlformats.org/officeDocument/2006/relationships" xmlns:p="http://schemas.openxmlformats.org/presentationml/2006/main">
-  <p:cSld>
-    <p:spTree>
-      <p:nvGrpSpPr>
-        <p:cNvPr id="1" name=""/>
-        <p:cNvGrpSpPr/>
-        <p:nvPr/>
-      </p:nvGrpSpPr>
-      <p:grpSpPr>
-        <a:xfrm>
-          <a:off x="0" y="0"/>
-          <a:ext cx="0" cy="0"/>
-          <a:chOff x="0" y="0"/>
-          <a:chExt cx="0" cy="0"/>
-        </a:xfrm>
-      </p:grpSpPr>
-      <p:pic>
-        <p:nvPicPr>
-          <p:cNvPr id="3" name="Picture 2">
-            <a:extLst>
-              <a:ext uri="{FF2B5EF4-FFF2-40B4-BE49-F238E27FC236}">
-                <a16:creationId xmlns:a16="http://schemas.microsoft.com/office/drawing/2014/main" id="{749CB446-6B1E-A84C-9B79-8B5B330C78CE}"/>
-              </a:ext>
-            </a:extLst>
-          </p:cNvPr>
-          <p:cNvPicPr>
-            <a:picLocks noChangeAspect="1"/>
-          </p:cNvPicPr>
-          <p:nvPr/>
-        </p:nvPicPr>
-        <p:blipFill>
-          <a:blip r:embed="rId2"/>
-          <a:stretch>
-            <a:fillRect/>
-          </a:stretch>
-        </p:blipFill>
-        <p:spPr>
-          <a:xfrm>
-            <a:off x="0" y="2885674"/>
-            <a:ext cx="12192000" cy="1086652"/>
-          </a:xfrm>
-          <a:prstGeom prst="rect">
-            <a:avLst/>
-          </a:prstGeom>
-        </p:spPr>
-      </p:pic>
-    </p:spTree>
-    <p:extLst>
-      <p:ext uri="{BB962C8B-B14F-4D97-AF65-F5344CB8AC3E}">
-        <p14:creationId xmlns:p14="http://schemas.microsoft.com/office/powerpoint/2010/main" val="418226458"/>
-      </p:ext>
-    </p:extLst>
-  </p:cSld>
-  <p:clrMapOvr>
-    <a:masterClrMapping/>
-  </p:clrMapOvr>
-</p:sld>
-</file>
-
-<file path=ppt/slides/slide22.xml><?xml version="1.0" encoding="utf-8"?>
 <p:sld xmlns:a="http://schemas.openxmlformats.org/drawingml/2006/main" xmlns:r="http://schemas.openxmlformats.org/officeDocument/2006/relationships" xmlns:p="http://schemas.openxmlformats.org/presentationml/2006/main">
   <p:cSld>
     <p:spTree>

--- a/SubstanceAbuseHS_edited.pptx
+++ b/SubstanceAbuseHS_edited.pptx
@@ -7049,7 +7049,20 @@
           <a:bodyPr/>
           <a:lstStyle/>
           <a:p>
-            <a:endParaRPr lang="en-US"/>
+            <a:r>
+              <a:rPr lang="en-US"/>
+              <a:t>Cigarettes </a:t>
+            </a:r>
+            <a:r>
+              <a:rPr lang="en-US" dirty="0"/>
+              <a:t>chosen due to the 20 years of available data</a:t>
+            </a:r>
+          </a:p>
+          <a:p>
+            <a:r>
+              <a:rPr lang="en-US" dirty="0"/>
+              <a:t>ANOVA chart shows that Cigarettes addictions (grade 8-11) show there is no enough evidence to reject null hypothesis and means are equal</a:t>
+            </a:r>
           </a:p>
         </p:txBody>
       </p:sp>
